--- a/RACE_CAPSTONE_PROJECT1/TradingAnalytics_Capstone1_Metrics .pptx
+++ b/RACE_CAPSTONE_PROJECT1/TradingAnalytics_Capstone1_Metrics .pptx
@@ -240,7 +240,7 @@
             <a:fld id="{48A04D3E-AB25-4865-88B1-E5CEDFA4F726}" type="datetimeFigureOut">
               <a:rPr lang="en-IN" smtClean="0"/>
               <a:pPr/>
-              <a:t>26-08-2022</a:t>
+              <a:t>01-09-2022</a:t>
             </a:fld>
             <a:endParaRPr lang="en-IN" dirty="0"/>
           </a:p>
@@ -1202,7 +1202,7 @@
             <a:fld id="{19317672-D273-40A8-9069-31B0837D5743}" type="datetimeFigureOut">
               <a:rPr lang="en-US" smtClean="0"/>
               <a:pPr/>
-              <a:t>8/26/2022</a:t>
+              <a:t>9/1/2022</a:t>
             </a:fld>
             <a:endParaRPr lang="en-US" dirty="0"/>
           </a:p>
@@ -1456,7 +1456,7 @@
             <a:fld id="{19317672-D273-40A8-9069-31B0837D5743}" type="datetimeFigureOut">
               <a:rPr lang="en-US" smtClean="0"/>
               <a:pPr/>
-              <a:t>8/26/2022</a:t>
+              <a:t>9/1/2022</a:t>
             </a:fld>
             <a:endParaRPr lang="en-US" dirty="0"/>
           </a:p>
@@ -1626,7 +1626,7 @@
             <a:fld id="{19317672-D273-40A8-9069-31B0837D5743}" type="datetimeFigureOut">
               <a:rPr lang="en-US" smtClean="0"/>
               <a:pPr/>
-              <a:t>8/26/2022</a:t>
+              <a:t>9/1/2022</a:t>
             </a:fld>
             <a:endParaRPr lang="en-US" dirty="0"/>
           </a:p>
@@ -1806,7 +1806,7 @@
             <a:fld id="{19317672-D273-40A8-9069-31B0837D5743}" type="datetimeFigureOut">
               <a:rPr lang="en-US" smtClean="0"/>
               <a:pPr/>
-              <a:t>8/26/2022</a:t>
+              <a:t>9/1/2022</a:t>
             </a:fld>
             <a:endParaRPr lang="en-US" dirty="0"/>
           </a:p>
@@ -2803,7 +2803,7 @@
             <a:fld id="{19317672-D273-40A8-9069-31B0837D5743}" type="datetimeFigureOut">
               <a:rPr lang="en-US" smtClean="0"/>
               <a:pPr/>
-              <a:t>8/26/2022</a:t>
+              <a:t>9/1/2022</a:t>
             </a:fld>
             <a:endParaRPr lang="en-US" dirty="0"/>
           </a:p>
@@ -3034,7 +3034,7 @@
             <a:fld id="{19317672-D273-40A8-9069-31B0837D5743}" type="datetimeFigureOut">
               <a:rPr lang="en-US" smtClean="0"/>
               <a:pPr/>
-              <a:t>8/26/2022</a:t>
+              <a:t>9/1/2022</a:t>
             </a:fld>
             <a:endParaRPr lang="en-US" dirty="0"/>
           </a:p>
@@ -3430,7 +3430,7 @@
             <a:fld id="{19317672-D273-40A8-9069-31B0837D5743}" type="datetimeFigureOut">
               <a:rPr lang="en-US" smtClean="0"/>
               <a:pPr/>
-              <a:t>8/26/2022</a:t>
+              <a:t>9/1/2022</a:t>
             </a:fld>
             <a:endParaRPr lang="en-US" dirty="0"/>
           </a:p>
@@ -3549,7 +3549,7 @@
             <a:fld id="{19317672-D273-40A8-9069-31B0837D5743}" type="datetimeFigureOut">
               <a:rPr lang="en-US" smtClean="0"/>
               <a:pPr/>
-              <a:t>8/26/2022</a:t>
+              <a:t>9/1/2022</a:t>
             </a:fld>
             <a:endParaRPr lang="en-US" dirty="0"/>
           </a:p>
@@ -3646,7 +3646,7 @@
             <a:fld id="{19317672-D273-40A8-9069-31B0837D5743}" type="datetimeFigureOut">
               <a:rPr lang="en-US" smtClean="0"/>
               <a:pPr/>
-              <a:t>8/26/2022</a:t>
+              <a:t>9/1/2022</a:t>
             </a:fld>
             <a:endParaRPr lang="en-US" dirty="0"/>
           </a:p>
@@ -3859,7 +3859,7 @@
             <a:fld id="{19317672-D273-40A8-9069-31B0837D5743}" type="datetimeFigureOut">
               <a:rPr lang="en-US" smtClean="0"/>
               <a:pPr/>
-              <a:t>8/26/2022</a:t>
+              <a:t>9/1/2022</a:t>
             </a:fld>
             <a:endParaRPr lang="en-US" dirty="0"/>
           </a:p>
@@ -4688,7 +4688,7 @@
           <p:nvPr>
             <p:extLst>
               <p:ext uri="{D42A27DB-BD31-4B8C-83A1-F6EECF244321}">
-                <p14:modId xmlns:p14="http://schemas.microsoft.com/office/powerpoint/2010/main" val="4269804015"/>
+                <p14:modId xmlns:p14="http://schemas.microsoft.com/office/powerpoint/2010/main" val="1470928638"/>
               </p:ext>
             </p:extLst>
           </p:nvPr>
@@ -5555,13 +5555,13 @@
                     <a:p>
                       <a:pPr algn="r" fontAlgn="b"/>
                       <a:r>
-                        <a:rPr lang="en-US" sz="1200" b="1" i="0" u="none" strike="noStrike">
+                        <a:rPr lang="en-US" sz="1200" b="1" i="0" u="none" strike="noStrike" dirty="0">
                           <a:solidFill>
                             <a:srgbClr val="000000"/>
                           </a:solidFill>
                           <a:latin typeface="Arial Black" pitchFamily="34" charset="0"/>
                         </a:rPr>
-                        <a:t>0.383</a:t>
+                        <a:t>0.38</a:t>
                       </a:r>
                     </a:p>
                   </a:txBody>
@@ -6959,7 +6959,7 @@
           <p:nvPr>
             <p:extLst>
               <p:ext uri="{D42A27DB-BD31-4B8C-83A1-F6EECF244321}">
-                <p14:modId xmlns:p14="http://schemas.microsoft.com/office/powerpoint/2010/main" val="3013953480"/>
+                <p14:modId xmlns:p14="http://schemas.microsoft.com/office/powerpoint/2010/main" val="2250235520"/>
               </p:ext>
             </p:extLst>
           </p:nvPr>
@@ -7826,23 +7826,23 @@
                     <a:p>
                       <a:pPr algn="r" fontAlgn="b"/>
                       <a:r>
-                        <a:rPr lang="en-US" sz="1200" b="1" i="0" u="none" strike="noStrike">
+                        <a:rPr lang="en-US" sz="1200" b="1" i="0" u="none" strike="noStrike" dirty="0">
                           <a:solidFill>
                             <a:srgbClr val="000000"/>
                           </a:solidFill>
                           <a:latin typeface="Arial Black" pitchFamily="34" charset="0"/>
                         </a:rPr>
-                        <a:t>33.44</a:t>
+                        <a:t>0.33</a:t>
                       </a:r>
                       <a:br>
-                        <a:rPr lang="en-US" sz="1200" b="1" i="0" u="none" strike="noStrike">
+                        <a:rPr lang="en-US" sz="1200" b="1" i="0" u="none" strike="noStrike" dirty="0">
                           <a:solidFill>
                             <a:srgbClr val="000000"/>
                           </a:solidFill>
                           <a:latin typeface="Arial Black" pitchFamily="34" charset="0"/>
                         </a:rPr>
                       </a:br>
-                      <a:endParaRPr lang="en-US" sz="1200" b="1" i="0" u="none" strike="noStrike">
+                      <a:endParaRPr lang="en-US" sz="1200" b="1" i="0" u="none" strike="noStrike" dirty="0">
                         <a:solidFill>
                           <a:srgbClr val="000000"/>
                         </a:solidFill>
@@ -8260,13 +8260,13 @@
                     <a:p>
                       <a:pPr algn="r" fontAlgn="b"/>
                       <a:r>
-                        <a:rPr lang="en-US" sz="1200" b="1" i="0" u="none" strike="noStrike">
+                        <a:rPr lang="en-US" sz="1200" b="1" i="0" u="none" strike="noStrike" dirty="0">
                           <a:solidFill>
                             <a:srgbClr val="000000"/>
                           </a:solidFill>
                           <a:latin typeface="Arial Black" pitchFamily="34" charset="0"/>
                         </a:rPr>
-                        <a:t>33.47</a:t>
+                        <a:t>0.33</a:t>
                       </a:r>
                     </a:p>
                   </a:txBody>
@@ -8680,13 +8680,13 @@
                     <a:p>
                       <a:pPr algn="r" fontAlgn="b"/>
                       <a:r>
-                        <a:rPr lang="en-US" sz="1200" b="1" i="0" u="none" strike="noStrike">
+                        <a:rPr lang="en-US" sz="1200" b="1" i="0" u="none" strike="noStrike" dirty="0">
                           <a:solidFill>
                             <a:srgbClr val="000000"/>
                           </a:solidFill>
                           <a:latin typeface="Arial Black" pitchFamily="34" charset="0"/>
                         </a:rPr>
-                        <a:t>33.40</a:t>
+                        <a:t>0.33</a:t>
                       </a:r>
                     </a:p>
                   </a:txBody>
@@ -11095,7 +11095,13 @@
           <p:cNvGraphicFramePr>
             <a:graphicFrameLocks noGrp="1"/>
           </p:cNvGraphicFramePr>
-          <p:nvPr/>
+          <p:nvPr>
+            <p:extLst>
+              <p:ext uri="{D42A27DB-BD31-4B8C-83A1-F6EECF244321}">
+                <p14:modId xmlns:p14="http://schemas.microsoft.com/office/powerpoint/2010/main" val="4128963085"/>
+              </p:ext>
+            </p:extLst>
+          </p:nvPr>
         </p:nvGraphicFramePr>
         <p:xfrm>
           <a:off x="383823" y="1478845"/>
@@ -12061,23 +12067,23 @@
                     <a:p>
                       <a:pPr algn="l" fontAlgn="b"/>
                       <a:r>
-                        <a:rPr lang="en-US" sz="1200" b="0" i="0" u="none" strike="noStrike">
+                        <a:rPr lang="en-US" sz="1200" b="0" i="0" u="none" strike="noStrike" dirty="0">
                           <a:solidFill>
                             <a:srgbClr val="000000"/>
                           </a:solidFill>
                           <a:latin typeface="Arial Black" pitchFamily="34" charset="0"/>
                         </a:rPr>
-                        <a:t>YES-33.44</a:t>
+                        <a:t>YES-0.33</a:t>
                       </a:r>
                       <a:br>
-                        <a:rPr lang="en-US" sz="1200" b="0" i="0" u="none" strike="noStrike">
+                        <a:rPr lang="en-US" sz="1200" b="0" i="0" u="none" strike="noStrike" dirty="0">
                           <a:solidFill>
                             <a:srgbClr val="000000"/>
                           </a:solidFill>
                           <a:latin typeface="Arial Black" pitchFamily="34" charset="0"/>
                         </a:rPr>
                       </a:br>
-                      <a:endParaRPr lang="en-US" sz="1200" b="0" i="0" u="none" strike="noStrike">
+                      <a:endParaRPr lang="en-US" sz="1200" b="0" i="0" u="none" strike="noStrike" dirty="0">
                         <a:solidFill>
                           <a:srgbClr val="000000"/>
                         </a:solidFill>
@@ -12318,13 +12324,13 @@
                     <a:p>
                       <a:pPr algn="l" fontAlgn="b"/>
                       <a:r>
-                        <a:rPr lang="en-US" sz="1200" b="1" i="0" u="none" strike="noStrike">
+                        <a:rPr lang="en-US" sz="1200" b="1" i="0" u="none" strike="noStrike" dirty="0">
                           <a:solidFill>
                             <a:srgbClr val="000000"/>
                           </a:solidFill>
                           <a:latin typeface="Arial Black" pitchFamily="34" charset="0"/>
                         </a:rPr>
-                        <a:t>YES-33.47</a:t>
+                        <a:t>YES-0.33</a:t>
                       </a:r>
                     </a:p>
                   </a:txBody>
@@ -12567,7 +12573,7 @@
                           </a:solidFill>
                           <a:latin typeface="Arial Black" pitchFamily="34" charset="0"/>
                         </a:rPr>
-                        <a:t>YES-33.40</a:t>
+                        <a:t>YES-0.33</a:t>
                       </a:r>
                     </a:p>
                   </a:txBody>
@@ -23407,7 +23413,7 @@
                     <a:p>
                       <a:pPr algn="r" fontAlgn="b"/>
                       <a:r>
-                        <a:rPr lang="en-US" sz="1200" b="1" i="0" u="none" strike="noStrike" dirty="0" err="1">
+                        <a:rPr lang="en-US" sz="1200" b="1" i="0" u="none" strike="noStrike" dirty="0">
                           <a:solidFill>
                             <a:srgbClr val="000000"/>
                           </a:solidFill>
@@ -23415,12 +23421,6 @@
                         </a:rPr>
                         <a:t>NaN</a:t>
                       </a:r>
-                      <a:endParaRPr lang="en-US" sz="1200" b="1" i="0" u="none" strike="noStrike" dirty="0">
-                        <a:solidFill>
-                          <a:srgbClr val="000000"/>
-                        </a:solidFill>
-                        <a:latin typeface="Arial Black" pitchFamily="34" charset="0"/>
-                      </a:endParaRPr>
                     </a:p>
                   </a:txBody>
                   <a:tcPr marL="8283" marR="8283" marT="8283" marB="0" anchor="b">
@@ -25302,7 +25302,7 @@
           <p:nvPr>
             <p:extLst>
               <p:ext uri="{D42A27DB-BD31-4B8C-83A1-F6EECF244321}">
-                <p14:modId xmlns:p14="http://schemas.microsoft.com/office/powerpoint/2010/main" val="3828216757"/>
+                <p14:modId xmlns:p14="http://schemas.microsoft.com/office/powerpoint/2010/main" val="4227432308"/>
               </p:ext>
             </p:extLst>
           </p:nvPr>
@@ -26169,13 +26169,13 @@
                     <a:p>
                       <a:pPr algn="r" fontAlgn="b"/>
                       <a:r>
-                        <a:rPr lang="en-US" sz="1200" b="1" i="0" u="none" strike="noStrike">
+                        <a:rPr lang="en-US" sz="1200" b="1" i="0" u="none" strike="noStrike" dirty="0">
                           <a:solidFill>
                             <a:srgbClr val="000000"/>
                           </a:solidFill>
                           <a:latin typeface="Arial Black" pitchFamily="34" charset="0"/>
                         </a:rPr>
-                        <a:t>0.227</a:t>
+                        <a:t>0.23</a:t>
                       </a:r>
                     </a:p>
                   </a:txBody>
